--- a/documentation/Storyboard/GooeyPie Prototyping Template.pptx
+++ b/documentation/Storyboard/GooeyPie Prototyping Template.pptx
@@ -284,7 +284,7 @@
           <a:p>
             <a:fld id="{C7F16132-DFE9-402E-8A41-C4698B310852}" type="datetimeFigureOut">
               <a:rPr lang="en-AU" smtClean="0"/>
-              <a:t>21/6/2025</a:t>
+              <a:t>22/6/2025</a:t>
             </a:fld>
             <a:endParaRPr lang="en-AU"/>
           </a:p>
@@ -643,7 +643,7 @@
           <a:p>
             <a:fld id="{C7F16132-DFE9-402E-8A41-C4698B310852}" type="datetimeFigureOut">
               <a:rPr lang="en-AU" smtClean="0"/>
-              <a:t>21/6/2025</a:t>
+              <a:t>22/6/2025</a:t>
             </a:fld>
             <a:endParaRPr lang="en-AU"/>
           </a:p>
@@ -853,7 +853,7 @@
           <a:p>
             <a:fld id="{C7F16132-DFE9-402E-8A41-C4698B310852}" type="datetimeFigureOut">
               <a:rPr lang="en-AU" smtClean="0"/>
-              <a:t>21/6/2025</a:t>
+              <a:t>22/6/2025</a:t>
             </a:fld>
             <a:endParaRPr lang="en-AU"/>
           </a:p>
@@ -1053,7 +1053,7 @@
           <a:p>
             <a:fld id="{C7F16132-DFE9-402E-8A41-C4698B310852}" type="datetimeFigureOut">
               <a:rPr lang="en-AU" smtClean="0"/>
-              <a:t>21/6/2025</a:t>
+              <a:t>22/6/2025</a:t>
             </a:fld>
             <a:endParaRPr lang="en-AU"/>
           </a:p>
@@ -1329,7 +1329,7 @@
           <a:p>
             <a:fld id="{C7F16132-DFE9-402E-8A41-C4698B310852}" type="datetimeFigureOut">
               <a:rPr lang="en-AU" smtClean="0"/>
-              <a:t>21/6/2025</a:t>
+              <a:t>22/6/2025</a:t>
             </a:fld>
             <a:endParaRPr lang="en-AU"/>
           </a:p>
@@ -1597,7 +1597,7 @@
           <a:p>
             <a:fld id="{C7F16132-DFE9-402E-8A41-C4698B310852}" type="datetimeFigureOut">
               <a:rPr lang="en-AU" smtClean="0"/>
-              <a:t>21/6/2025</a:t>
+              <a:t>22/6/2025</a:t>
             </a:fld>
             <a:endParaRPr lang="en-AU"/>
           </a:p>
@@ -2012,7 +2012,7 @@
           <a:p>
             <a:fld id="{C7F16132-DFE9-402E-8A41-C4698B310852}" type="datetimeFigureOut">
               <a:rPr lang="en-AU" smtClean="0"/>
-              <a:t>21/6/2025</a:t>
+              <a:t>22/6/2025</a:t>
             </a:fld>
             <a:endParaRPr lang="en-AU"/>
           </a:p>
@@ -2154,7 +2154,7 @@
           <a:p>
             <a:fld id="{C7F16132-DFE9-402E-8A41-C4698B310852}" type="datetimeFigureOut">
               <a:rPr lang="en-AU" smtClean="0"/>
-              <a:t>21/6/2025</a:t>
+              <a:t>22/6/2025</a:t>
             </a:fld>
             <a:endParaRPr lang="en-AU"/>
           </a:p>
@@ -2267,7 +2267,7 @@
           <a:p>
             <a:fld id="{C7F16132-DFE9-402E-8A41-C4698B310852}" type="datetimeFigureOut">
               <a:rPr lang="en-AU" smtClean="0"/>
-              <a:t>21/6/2025</a:t>
+              <a:t>22/6/2025</a:t>
             </a:fld>
             <a:endParaRPr lang="en-AU"/>
           </a:p>
@@ -2580,7 +2580,7 @@
           <a:p>
             <a:fld id="{C7F16132-DFE9-402E-8A41-C4698B310852}" type="datetimeFigureOut">
               <a:rPr lang="en-AU" smtClean="0"/>
-              <a:t>21/6/2025</a:t>
+              <a:t>22/6/2025</a:t>
             </a:fld>
             <a:endParaRPr lang="en-AU"/>
           </a:p>
@@ -2869,7 +2869,7 @@
           <a:p>
             <a:fld id="{C7F16132-DFE9-402E-8A41-C4698B310852}" type="datetimeFigureOut">
               <a:rPr lang="en-AU" smtClean="0"/>
-              <a:t>21/6/2025</a:t>
+              <a:t>22/6/2025</a:t>
             </a:fld>
             <a:endParaRPr lang="en-AU"/>
           </a:p>
@@ -3128,7 +3128,7 @@
           <a:p>
             <a:fld id="{C7F16132-DFE9-402E-8A41-C4698B310852}" type="datetimeFigureOut">
               <a:rPr lang="en-AU" smtClean="0"/>
-              <a:t>21/6/2025</a:t>
+              <a:t>22/6/2025</a:t>
             </a:fld>
             <a:endParaRPr lang="en-AU"/>
           </a:p>
